--- a/CalendarioAgo2023/presentaciones/16_POO_Herencia.pptx
+++ b/CalendarioAgo2023/presentaciones/16_POO_Herencia.pptx
@@ -225,7 +225,7 @@
           <a:p>
             <a:fld id="{DDE721D5-655F-45D2-B717-3C4CD78C8568}" type="datetimeFigureOut">
               <a:rPr lang="es-MX" smtClean="0"/>
-              <a:t>07/03/2023</a:t>
+              <a:t>28/08/2023</a:t>
             </a:fld>
             <a:endParaRPr lang="es-MX" dirty="0"/>
           </a:p>
@@ -674,7 +674,7 @@
           <a:p>
             <a:fld id="{B3F3E716-CACC-4490-AD07-F24B6A68DE47}" type="datetimeFigureOut">
               <a:rPr lang="es-MX" smtClean="0"/>
-              <a:t>07/03/2023</a:t>
+              <a:t>28/08/2023</a:t>
             </a:fld>
             <a:endParaRPr lang="es-MX" dirty="0"/>
           </a:p>
@@ -844,7 +844,7 @@
           <a:p>
             <a:fld id="{B3F3E716-CACC-4490-AD07-F24B6A68DE47}" type="datetimeFigureOut">
               <a:rPr lang="es-MX" smtClean="0"/>
-              <a:t>07/03/2023</a:t>
+              <a:t>28/08/2023</a:t>
             </a:fld>
             <a:endParaRPr lang="es-MX" dirty="0"/>
           </a:p>
@@ -1024,7 +1024,7 @@
           <a:p>
             <a:fld id="{B3F3E716-CACC-4490-AD07-F24B6A68DE47}" type="datetimeFigureOut">
               <a:rPr lang="es-MX" smtClean="0"/>
-              <a:t>07/03/2023</a:t>
+              <a:t>28/08/2023</a:t>
             </a:fld>
             <a:endParaRPr lang="es-MX" dirty="0"/>
           </a:p>
@@ -1177,7 +1177,7 @@
           <a:p>
             <a:fld id="{1D8BD707-D9CF-40AE-B4C6-C98DA3205C09}" type="datetimeFigureOut">
               <a:rPr lang="en-US" smtClean="0"/>
-              <a:t>3/7/2023</a:t>
+              <a:t>8/28/2023</a:t>
             </a:fld>
             <a:endParaRPr lang="en-US" dirty="0"/>
           </a:p>
@@ -1634,7 +1634,7 @@
           <a:p>
             <a:fld id="{B3F3E716-CACC-4490-AD07-F24B6A68DE47}" type="datetimeFigureOut">
               <a:rPr lang="es-MX" smtClean="0"/>
-              <a:t>07/03/2023</a:t>
+              <a:t>28/08/2023</a:t>
             </a:fld>
             <a:endParaRPr lang="es-MX" dirty="0"/>
           </a:p>
@@ -1880,7 +1880,7 @@
           <a:p>
             <a:fld id="{B3F3E716-CACC-4490-AD07-F24B6A68DE47}" type="datetimeFigureOut">
               <a:rPr lang="es-MX" smtClean="0"/>
-              <a:t>07/03/2023</a:t>
+              <a:t>28/08/2023</a:t>
             </a:fld>
             <a:endParaRPr lang="es-MX" dirty="0"/>
           </a:p>
@@ -2168,7 +2168,7 @@
           <a:p>
             <a:fld id="{B3F3E716-CACC-4490-AD07-F24B6A68DE47}" type="datetimeFigureOut">
               <a:rPr lang="es-MX" smtClean="0"/>
-              <a:t>07/03/2023</a:t>
+              <a:t>28/08/2023</a:t>
             </a:fld>
             <a:endParaRPr lang="es-MX" dirty="0"/>
           </a:p>
@@ -2590,7 +2590,7 @@
           <a:p>
             <a:fld id="{B3F3E716-CACC-4490-AD07-F24B6A68DE47}" type="datetimeFigureOut">
               <a:rPr lang="es-MX" smtClean="0"/>
-              <a:t>07/03/2023</a:t>
+              <a:t>28/08/2023</a:t>
             </a:fld>
             <a:endParaRPr lang="es-MX" dirty="0"/>
           </a:p>
@@ -2708,7 +2708,7 @@
           <a:p>
             <a:fld id="{B3F3E716-CACC-4490-AD07-F24B6A68DE47}" type="datetimeFigureOut">
               <a:rPr lang="es-MX" smtClean="0"/>
-              <a:t>07/03/2023</a:t>
+              <a:t>28/08/2023</a:t>
             </a:fld>
             <a:endParaRPr lang="es-MX" dirty="0"/>
           </a:p>
@@ -2803,7 +2803,7 @@
           <a:p>
             <a:fld id="{B3F3E716-CACC-4490-AD07-F24B6A68DE47}" type="datetimeFigureOut">
               <a:rPr lang="es-MX" smtClean="0"/>
-              <a:t>07/03/2023</a:t>
+              <a:t>28/08/2023</a:t>
             </a:fld>
             <a:endParaRPr lang="es-MX" dirty="0"/>
           </a:p>
@@ -3080,7 +3080,7 @@
           <a:p>
             <a:fld id="{B3F3E716-CACC-4490-AD07-F24B6A68DE47}" type="datetimeFigureOut">
               <a:rPr lang="es-MX" smtClean="0"/>
-              <a:t>07/03/2023</a:t>
+              <a:t>28/08/2023</a:t>
             </a:fld>
             <a:endParaRPr lang="es-MX" dirty="0"/>
           </a:p>
@@ -3333,7 +3333,7 @@
           <a:p>
             <a:fld id="{B3F3E716-CACC-4490-AD07-F24B6A68DE47}" type="datetimeFigureOut">
               <a:rPr lang="es-MX" smtClean="0"/>
-              <a:t>07/03/2023</a:t>
+              <a:t>28/08/2023</a:t>
             </a:fld>
             <a:endParaRPr lang="es-MX" dirty="0"/>
           </a:p>
@@ -3546,7 +3546,7 @@
           <a:p>
             <a:fld id="{B3F3E716-CACC-4490-AD07-F24B6A68DE47}" type="datetimeFigureOut">
               <a:rPr lang="es-MX" smtClean="0"/>
-              <a:t>07/03/2023</a:t>
+              <a:t>28/08/2023</a:t>
             </a:fld>
             <a:endParaRPr lang="es-MX" dirty="0"/>
           </a:p>
@@ -4468,9 +4468,7 @@
             <a:r>
               <a:rPr lang="es-MX" b="1" dirty="0">
                 <a:solidFill>
-                  <a:schemeClr val="bg2">
-                    <a:lumMod val="50000"/>
-                  </a:schemeClr>
+                  <a:srgbClr val="FF0000"/>
                 </a:solidFill>
               </a:rPr>
               <a:t>Herencia</a:t>
@@ -5159,9 +5157,7 @@
             <a:r>
               <a:rPr lang="es-MX" b="1" dirty="0">
                 <a:solidFill>
-                  <a:schemeClr val="bg2">
-                    <a:lumMod val="50000"/>
-                  </a:schemeClr>
+                  <a:srgbClr val="FF0000"/>
                 </a:solidFill>
               </a:rPr>
               <a:t>Herencia</a:t>
